--- a/res/GameIcon.pptx
+++ b/res/GameIcon.pptx
@@ -104,6 +104,11 @@
       </a:defRPr>
     </a:lvl9pPr>
   </p:defaultTextStyle>
+  <p:extLst>
+    <p:ext uri="{EFAFB233-063F-42B5-8137-9DF3F51BA10A}">
+      <p15:sldGuideLst xmlns:p15="http://schemas.microsoft.com/office/powerpoint/2012/main"/>
+    </p:ext>
+  </p:extLst>
 </p:presentation>
 </file>
 
@@ -152,7 +157,6 @@
               <a:rPr lang="en-US"/>
               <a:t>Click to edit Master title style</a:t>
             </a:r>
-            <a:endParaRPr lang="en-US"/>
           </a:p>
         </p:txBody>
       </p:sp>
@@ -217,7 +221,6 @@
               <a:rPr lang="en-US"/>
               <a:t>Click to edit Master subtitle style</a:t>
             </a:r>
-            <a:endParaRPr lang="en-US"/>
           </a:p>
         </p:txBody>
       </p:sp>
@@ -335,7 +338,6 @@
               <a:rPr lang="en-US"/>
               <a:t>Click to edit Master title style</a:t>
             </a:r>
-            <a:endParaRPr lang="en-US"/>
           </a:p>
         </p:txBody>
       </p:sp>
@@ -387,7 +389,6 @@
               <a:rPr lang="en-US"/>
               <a:t>Fifth level</a:t>
             </a:r>
-            <a:endParaRPr lang="en-US"/>
           </a:p>
         </p:txBody>
       </p:sp>
@@ -510,7 +511,6 @@
               <a:rPr lang="en-US"/>
               <a:t>Click to edit Master title style</a:t>
             </a:r>
-            <a:endParaRPr lang="en-US"/>
           </a:p>
         </p:txBody>
       </p:sp>
@@ -567,7 +567,6 @@
               <a:rPr lang="en-US"/>
               <a:t>Fifth level</a:t>
             </a:r>
-            <a:endParaRPr lang="en-US"/>
           </a:p>
         </p:txBody>
       </p:sp>
@@ -685,7 +684,6 @@
               <a:rPr lang="en-US"/>
               <a:t>Click to edit Master title style</a:t>
             </a:r>
-            <a:endParaRPr lang="en-US"/>
           </a:p>
         </p:txBody>
       </p:sp>
@@ -737,7 +735,6 @@
               <a:rPr lang="en-US"/>
               <a:t>Fifth level</a:t>
             </a:r>
-            <a:endParaRPr lang="en-US"/>
           </a:p>
         </p:txBody>
       </p:sp>
@@ -864,7 +861,6 @@
               <a:rPr lang="en-US"/>
               <a:t>Click to edit Master title style</a:t>
             </a:r>
-            <a:endParaRPr lang="en-US"/>
           </a:p>
         </p:txBody>
       </p:sp>
@@ -1101,7 +1097,6 @@
               <a:rPr lang="en-US"/>
               <a:t>Click to edit Master title style</a:t>
             </a:r>
-            <a:endParaRPr lang="en-US"/>
           </a:p>
         </p:txBody>
       </p:sp>
@@ -1158,7 +1153,6 @@
               <a:rPr lang="en-US"/>
               <a:t>Fifth level</a:t>
             </a:r>
-            <a:endParaRPr lang="en-US"/>
           </a:p>
         </p:txBody>
       </p:sp>
@@ -1215,7 +1209,6 @@
               <a:rPr lang="en-US"/>
               <a:t>Fifth level</a:t>
             </a:r>
-            <a:endParaRPr lang="en-US"/>
           </a:p>
         </p:txBody>
       </p:sp>
@@ -1338,7 +1331,6 @@
               <a:rPr lang="en-US"/>
               <a:t>Click to edit Master title style</a:t>
             </a:r>
-            <a:endParaRPr lang="en-US"/>
           </a:p>
         </p:txBody>
       </p:sp>
@@ -1460,7 +1452,6 @@
               <a:rPr lang="en-US"/>
               <a:t>Fifth level</a:t>
             </a:r>
-            <a:endParaRPr lang="en-US"/>
           </a:p>
         </p:txBody>
       </p:sp>
@@ -1582,7 +1573,6 @@
               <a:rPr lang="en-US"/>
               <a:t>Fifth level</a:t>
             </a:r>
-            <a:endParaRPr lang="en-US"/>
           </a:p>
         </p:txBody>
       </p:sp>
@@ -1700,7 +1690,6 @@
               <a:rPr lang="en-US"/>
               <a:t>Click to edit Master title style</a:t>
             </a:r>
-            <a:endParaRPr lang="en-US"/>
           </a:p>
         </p:txBody>
       </p:sp>
@@ -1922,7 +1911,6 @@
               <a:rPr lang="en-US"/>
               <a:t>Click to edit Master title style</a:t>
             </a:r>
-            <a:endParaRPr lang="en-US"/>
           </a:p>
         </p:txBody>
       </p:sp>
@@ -2007,7 +1995,6 @@
               <a:rPr lang="en-US"/>
               <a:t>Fifth level</a:t>
             </a:r>
-            <a:endParaRPr lang="en-US"/>
           </a:p>
         </p:txBody>
       </p:sp>
@@ -2199,7 +2186,6 @@
               <a:rPr lang="en-US"/>
               <a:t>Click to edit Master title style</a:t>
             </a:r>
-            <a:endParaRPr lang="en-US"/>
           </a:p>
         </p:txBody>
       </p:sp>
@@ -2458,7 +2444,6 @@
               <a:rPr lang="en-US"/>
               <a:t>Click to edit Master title style</a:t>
             </a:r>
-            <a:endParaRPr lang="en-US"/>
           </a:p>
         </p:txBody>
       </p:sp>
@@ -2520,7 +2505,6 @@
               <a:rPr lang="en-US"/>
               <a:t>Fifth level</a:t>
             </a:r>
-            <a:endParaRPr lang="en-US"/>
           </a:p>
         </p:txBody>
       </p:sp>
@@ -2964,313 +2948,328 @@
           <a:chExt cx="0" cy="0"/>
         </a:xfrm>
       </p:grpSpPr>
-      <p:sp>
-        <p:nvSpPr>
-          <p:cNvPr id="4" name="Rectangle: Rounded Corners 3"/>
-          <p:cNvSpPr/>
-          <p:nvPr/>
-        </p:nvSpPr>
-        <p:spPr>
-          <a:xfrm>
-            <a:off x="2717442" y="1017430"/>
-            <a:ext cx="4572000" cy="4572000"/>
-          </a:xfrm>
-          <a:prstGeom prst="roundRect">
-            <a:avLst/>
-          </a:prstGeom>
-          <a:solidFill>
-            <a:schemeClr val="accent4">
-              <a:lumMod val="75000"/>
-            </a:schemeClr>
-          </a:solidFill>
-          <a:ln>
-            <a:noFill/>
-          </a:ln>
-        </p:spPr>
-        <p:style>
-          <a:lnRef idx="2">
-            <a:schemeClr val="accent1">
-              <a:shade val="50000"/>
-            </a:schemeClr>
-          </a:lnRef>
-          <a:fillRef idx="1">
-            <a:schemeClr val="accent1"/>
-          </a:fillRef>
-          <a:effectRef idx="0">
-            <a:schemeClr val="accent1"/>
-          </a:effectRef>
-          <a:fontRef idx="minor">
-            <a:schemeClr val="lt1"/>
-          </a:fontRef>
-        </p:style>
-        <p:txBody>
-          <a:bodyPr rtlCol="0" anchor="ctr"/>
-          <a:lstStyle/>
-          <a:p>
-            <a:pPr algn="ctr"/>
-            <a:endParaRPr lang="en-US" dirty="0"/>
-          </a:p>
-        </p:txBody>
-      </p:sp>
-      <p:sp>
-        <p:nvSpPr>
-          <p:cNvPr id="16" name="Rectangle: Top Corners Rounded 15"/>
-          <p:cNvSpPr/>
-          <p:nvPr/>
-        </p:nvSpPr>
-        <p:spPr>
-          <a:xfrm>
-            <a:off x="2717442" y="1017430"/>
-            <a:ext cx="4572000" cy="1531473"/>
-          </a:xfrm>
-          <a:prstGeom prst="round2SameRect">
-            <a:avLst>
-              <a:gd name="adj1" fmla="val 50000"/>
-              <a:gd name="adj2" fmla="val 0"/>
-            </a:avLst>
-          </a:prstGeom>
-          <a:noFill/>
-          <a:ln>
-            <a:noFill/>
-          </a:ln>
-        </p:spPr>
-        <p:style>
-          <a:lnRef idx="2">
-            <a:schemeClr val="accent1">
-              <a:shade val="50000"/>
-            </a:schemeClr>
-          </a:lnRef>
-          <a:fillRef idx="1">
-            <a:schemeClr val="accent1"/>
-          </a:fillRef>
-          <a:effectRef idx="0">
-            <a:schemeClr val="accent1"/>
-          </a:effectRef>
-          <a:fontRef idx="minor">
-            <a:schemeClr val="lt1"/>
-          </a:fontRef>
-        </p:style>
-        <p:txBody>
-          <a:bodyPr rtlCol="0" anchor="ctr"/>
-          <a:lstStyle/>
-          <a:p>
-            <a:pPr algn="ctr"/>
-            <a:r>
-              <a:rPr lang="en-US" sz="7200" b="1" dirty="0">
-                <a:ln>
-                  <a:solidFill>
-                    <a:schemeClr val="tx1"/>
-                  </a:solidFill>
-                </a:ln>
-                <a:solidFill>
-                  <a:schemeClr val="bg1"/>
-                </a:solidFill>
-                <a:latin typeface="Berlin Sans FB Demi" panose="020E0802020502020306" pitchFamily="34" charset="0"/>
-              </a:rPr>
-              <a:t>GIN</a:t>
-            </a:r>
-          </a:p>
-        </p:txBody>
-      </p:sp>
       <p:grpSp>
         <p:nvGrpSpPr>
-          <p:cNvPr id="14" name="Group 13"/>
+          <p:cNvPr id="2" name="Group 1"/>
           <p:cNvGrpSpPr/>
           <p:nvPr/>
         </p:nvGrpSpPr>
         <p:grpSpPr>
           <a:xfrm>
-            <a:off x="3407616" y="2613298"/>
-            <a:ext cx="3191652" cy="2097283"/>
-            <a:chOff x="3323741" y="2291326"/>
-            <a:chExt cx="3191652" cy="2097283"/>
+            <a:off x="2717442" y="1017430"/>
+            <a:ext cx="4572000" cy="4572000"/>
+            <a:chOff x="2717442" y="1017430"/>
+            <a:chExt cx="4572000" cy="4572000"/>
           </a:xfrm>
         </p:grpSpPr>
-        <p:pic>
-          <p:nvPicPr>
-            <p:cNvPr id="6" name="Picture 5"/>
-            <p:cNvPicPr>
-              <a:picLocks noChangeAspect="1"/>
-            </p:cNvPicPr>
+        <p:sp>
+          <p:nvSpPr>
+            <p:cNvPr id="4" name="Rectangle: Rounded Corners 3"/>
+            <p:cNvSpPr/>
             <p:nvPr/>
-          </p:nvPicPr>
-          <p:blipFill>
-            <a:blip r:embed="rId2">
-              <a:extLst>
-                <a:ext uri="{28A0092B-C50C-407E-A947-70E740481C1C}">
-                  <a14:useLocalDpi xmlns:a14="http://schemas.microsoft.com/office/drawing/2010/main" val="0"/>
-                </a:ext>
-              </a:extLst>
-            </a:blip>
-            <a:stretch>
-              <a:fillRect/>
-            </a:stretch>
-          </p:blipFill>
+          </p:nvSpPr>
           <p:spPr>
-            <a:xfrm rot="3581954">
-              <a:off x="4943768" y="2578859"/>
-              <a:ext cx="1333500" cy="1809750"/>
+            <a:xfrm>
+              <a:off x="2717442" y="1017430"/>
+              <a:ext cx="4572000" cy="4572000"/>
             </a:xfrm>
-            <a:prstGeom prst="rect">
+            <a:prstGeom prst="roundRect">
               <a:avLst/>
             </a:prstGeom>
+            <a:solidFill>
+              <a:schemeClr val="accent4">
+                <a:lumMod val="75000"/>
+              </a:schemeClr>
+            </a:solidFill>
+            <a:ln>
+              <a:noFill/>
+            </a:ln>
           </p:spPr>
-        </p:pic>
-        <p:pic>
-          <p:nvPicPr>
-            <p:cNvPr id="8" name="Picture 7"/>
-            <p:cNvPicPr>
-              <a:picLocks noChangeAspect="1"/>
-            </p:cNvPicPr>
+          <p:style>
+            <a:lnRef idx="2">
+              <a:schemeClr val="accent1">
+                <a:shade val="50000"/>
+              </a:schemeClr>
+            </a:lnRef>
+            <a:fillRef idx="1">
+              <a:schemeClr val="accent1"/>
+            </a:fillRef>
+            <a:effectRef idx="0">
+              <a:schemeClr val="accent1"/>
+            </a:effectRef>
+            <a:fontRef idx="minor">
+              <a:schemeClr val="lt1"/>
+            </a:fontRef>
+          </p:style>
+          <p:txBody>
+            <a:bodyPr rtlCol="0" anchor="ctr"/>
+            <a:lstStyle/>
+            <a:p>
+              <a:pPr algn="ctr"/>
+              <a:endParaRPr lang="en-US" dirty="0"/>
+            </a:p>
+          </p:txBody>
+        </p:sp>
+        <p:sp>
+          <p:nvSpPr>
+            <p:cNvPr id="16" name="Rectangle: Top Corners Rounded 15"/>
+            <p:cNvSpPr/>
             <p:nvPr/>
-          </p:nvPicPr>
-          <p:blipFill>
-            <a:blip r:embed="rId3">
-              <a:extLst>
-                <a:ext uri="{28A0092B-C50C-407E-A947-70E740481C1C}">
-                  <a14:useLocalDpi xmlns:a14="http://schemas.microsoft.com/office/drawing/2010/main" val="0"/>
-                </a:ext>
-              </a:extLst>
-            </a:blip>
-            <a:stretch>
-              <a:fillRect/>
-            </a:stretch>
-          </p:blipFill>
-          <p:spPr>
-            <a:xfrm rot="1956628">
-              <a:off x="4428645" y="2368425"/>
-              <a:ext cx="1333500" cy="1809750"/>
-            </a:xfrm>
-            <a:prstGeom prst="rect">
-              <a:avLst/>
-            </a:prstGeom>
-          </p:spPr>
-        </p:pic>
-        <p:pic>
-          <p:nvPicPr>
-            <p:cNvPr id="12" name="Picture 11"/>
-            <p:cNvPicPr>
-              <a:picLocks noChangeAspect="1"/>
-            </p:cNvPicPr>
-            <p:nvPr/>
-          </p:nvPicPr>
-          <p:blipFill>
-            <a:blip r:embed="rId4">
-              <a:extLst>
-                <a:ext uri="{28A0092B-C50C-407E-A947-70E740481C1C}">
-                  <a14:useLocalDpi xmlns:a14="http://schemas.microsoft.com/office/drawing/2010/main" val="0"/>
-                </a:ext>
-              </a:extLst>
-            </a:blip>
-            <a:stretch>
-              <a:fillRect/>
-            </a:stretch>
-          </p:blipFill>
+          </p:nvSpPr>
           <p:spPr>
             <a:xfrm>
-              <a:off x="3761895" y="2291326"/>
-              <a:ext cx="1333500" cy="1809750"/>
+              <a:off x="2717442" y="1017430"/>
+              <a:ext cx="4572000" cy="1531473"/>
             </a:xfrm>
-            <a:prstGeom prst="rect">
-              <a:avLst/>
+            <a:prstGeom prst="round2SameRect">
+              <a:avLst>
+                <a:gd name="adj1" fmla="val 50000"/>
+                <a:gd name="adj2" fmla="val 0"/>
+              </a:avLst>
             </a:prstGeom>
+            <a:noFill/>
+            <a:ln>
+              <a:noFill/>
+            </a:ln>
           </p:spPr>
-        </p:pic>
-        <p:pic>
-          <p:nvPicPr>
-            <p:cNvPr id="10" name="Picture 9"/>
-            <p:cNvPicPr>
-              <a:picLocks noChangeAspect="1"/>
-            </p:cNvPicPr>
+          <p:style>
+            <a:lnRef idx="2">
+              <a:schemeClr val="accent1">
+                <a:shade val="50000"/>
+              </a:schemeClr>
+            </a:lnRef>
+            <a:fillRef idx="1">
+              <a:schemeClr val="accent1"/>
+            </a:fillRef>
+            <a:effectRef idx="0">
+              <a:schemeClr val="accent1"/>
+            </a:effectRef>
+            <a:fontRef idx="minor">
+              <a:schemeClr val="lt1"/>
+            </a:fontRef>
+          </p:style>
+          <p:txBody>
+            <a:bodyPr rtlCol="0" anchor="ctr"/>
+            <a:lstStyle/>
+            <a:p>
+              <a:pPr algn="ctr"/>
+              <a:r>
+                <a:rPr lang="en-US" sz="7200" b="1" dirty="0">
+                  <a:ln>
+                    <a:solidFill>
+                      <a:schemeClr val="tx1"/>
+                    </a:solidFill>
+                  </a:ln>
+                  <a:solidFill>
+                    <a:schemeClr val="bg1"/>
+                  </a:solidFill>
+                  <a:latin typeface="Berlin Sans FB Demi" panose="020E0802020502020306" pitchFamily="34" charset="0"/>
+                </a:rPr>
+                <a:t>GIN</a:t>
+              </a:r>
+            </a:p>
+          </p:txBody>
+        </p:sp>
+        <p:grpSp>
+          <p:nvGrpSpPr>
+            <p:cNvPr id="14" name="Group 13"/>
+            <p:cNvGrpSpPr/>
             <p:nvPr/>
-          </p:nvPicPr>
-          <p:blipFill>
-            <a:blip r:embed="rId5">
-              <a:extLst>
-                <a:ext uri="{28A0092B-C50C-407E-A947-70E740481C1C}">
-                  <a14:useLocalDpi xmlns:a14="http://schemas.microsoft.com/office/drawing/2010/main" val="0"/>
-                </a:ext>
-              </a:extLst>
-            </a:blip>
-            <a:stretch>
-              <a:fillRect/>
-            </a:stretch>
-          </p:blipFill>
+          </p:nvGrpSpPr>
+          <p:grpSpPr>
+            <a:xfrm>
+              <a:off x="3407616" y="2613298"/>
+              <a:ext cx="3191652" cy="2097283"/>
+              <a:chOff x="3323741" y="2291326"/>
+              <a:chExt cx="3191652" cy="2097283"/>
+            </a:xfrm>
+          </p:grpSpPr>
+          <p:pic>
+            <p:nvPicPr>
+              <p:cNvPr id="6" name="Picture 5"/>
+              <p:cNvPicPr>
+                <a:picLocks noChangeAspect="1"/>
+              </p:cNvPicPr>
+              <p:nvPr/>
+            </p:nvPicPr>
+            <p:blipFill>
+              <a:blip r:embed="rId2">
+                <a:extLst>
+                  <a:ext uri="{28A0092B-C50C-407E-A947-70E740481C1C}">
+                    <a14:useLocalDpi xmlns:a14="http://schemas.microsoft.com/office/drawing/2010/main" val="0"/>
+                  </a:ext>
+                </a:extLst>
+              </a:blip>
+              <a:stretch>
+                <a:fillRect/>
+              </a:stretch>
+            </p:blipFill>
+            <p:spPr>
+              <a:xfrm rot="3581954">
+                <a:off x="4943768" y="2578859"/>
+                <a:ext cx="1333500" cy="1809750"/>
+              </a:xfrm>
+              <a:prstGeom prst="rect">
+                <a:avLst/>
+              </a:prstGeom>
+            </p:spPr>
+          </p:pic>
+          <p:pic>
+            <p:nvPicPr>
+              <p:cNvPr id="8" name="Picture 7"/>
+              <p:cNvPicPr>
+                <a:picLocks noChangeAspect="1"/>
+              </p:cNvPicPr>
+              <p:nvPr/>
+            </p:nvPicPr>
+            <p:blipFill>
+              <a:blip r:embed="rId3">
+                <a:extLst>
+                  <a:ext uri="{28A0092B-C50C-407E-A947-70E740481C1C}">
+                    <a14:useLocalDpi xmlns:a14="http://schemas.microsoft.com/office/drawing/2010/main" val="0"/>
+                  </a:ext>
+                </a:extLst>
+              </a:blip>
+              <a:stretch>
+                <a:fillRect/>
+              </a:stretch>
+            </p:blipFill>
+            <p:spPr>
+              <a:xfrm rot="1956628">
+                <a:off x="4428645" y="2368425"/>
+                <a:ext cx="1333500" cy="1809750"/>
+              </a:xfrm>
+              <a:prstGeom prst="rect">
+                <a:avLst/>
+              </a:prstGeom>
+            </p:spPr>
+          </p:pic>
+          <p:pic>
+            <p:nvPicPr>
+              <p:cNvPr id="12" name="Picture 11"/>
+              <p:cNvPicPr>
+                <a:picLocks noChangeAspect="1"/>
+              </p:cNvPicPr>
+              <p:nvPr/>
+            </p:nvPicPr>
+            <p:blipFill>
+              <a:blip r:embed="rId4">
+                <a:extLst>
+                  <a:ext uri="{28A0092B-C50C-407E-A947-70E740481C1C}">
+                    <a14:useLocalDpi xmlns:a14="http://schemas.microsoft.com/office/drawing/2010/main" val="0"/>
+                  </a:ext>
+                </a:extLst>
+              </a:blip>
+              <a:stretch>
+                <a:fillRect/>
+              </a:stretch>
+            </p:blipFill>
+            <p:spPr>
+              <a:xfrm>
+                <a:off x="3761895" y="2291326"/>
+                <a:ext cx="1333500" cy="1809750"/>
+              </a:xfrm>
+              <a:prstGeom prst="rect">
+                <a:avLst/>
+              </a:prstGeom>
+            </p:spPr>
+          </p:pic>
+          <p:pic>
+            <p:nvPicPr>
+              <p:cNvPr id="10" name="Picture 9"/>
+              <p:cNvPicPr>
+                <a:picLocks noChangeAspect="1"/>
+              </p:cNvPicPr>
+              <p:nvPr/>
+            </p:nvPicPr>
+            <p:blipFill>
+              <a:blip r:embed="rId5">
+                <a:extLst>
+                  <a:ext uri="{28A0092B-C50C-407E-A947-70E740481C1C}">
+                    <a14:useLocalDpi xmlns:a14="http://schemas.microsoft.com/office/drawing/2010/main" val="0"/>
+                  </a:ext>
+                </a:extLst>
+              </a:blip>
+              <a:stretch>
+                <a:fillRect/>
+              </a:stretch>
+            </p:blipFill>
+            <p:spPr>
+              <a:xfrm rot="19017495">
+                <a:off x="3323741" y="2578859"/>
+                <a:ext cx="1333500" cy="1809750"/>
+              </a:xfrm>
+              <a:prstGeom prst="rect">
+                <a:avLst/>
+              </a:prstGeom>
+            </p:spPr>
+          </p:pic>
+        </p:grpSp>
+        <p:sp>
+          <p:nvSpPr>
+            <p:cNvPr id="13" name="Rectangle: Top Corners Rounded 12"/>
+            <p:cNvSpPr/>
+            <p:nvPr/>
+          </p:nvSpPr>
           <p:spPr>
-            <a:xfrm rot="19017495">
-              <a:off x="3323741" y="2578859"/>
-              <a:ext cx="1333500" cy="1809750"/>
+            <a:xfrm>
+              <a:off x="2717442" y="4165470"/>
+              <a:ext cx="4572000" cy="1423960"/>
             </a:xfrm>
-            <a:prstGeom prst="rect">
-              <a:avLst/>
+            <a:prstGeom prst="round2SameRect">
+              <a:avLst>
+                <a:gd name="adj1" fmla="val 0"/>
+                <a:gd name="adj2" fmla="val 50000"/>
+              </a:avLst>
             </a:prstGeom>
+            <a:solidFill>
+              <a:schemeClr val="accent6">
+                <a:lumMod val="50000"/>
+              </a:schemeClr>
+            </a:solidFill>
+            <a:ln>
+              <a:noFill/>
+            </a:ln>
           </p:spPr>
-        </p:pic>
+          <p:style>
+            <a:lnRef idx="2">
+              <a:schemeClr val="accent1">
+                <a:shade val="50000"/>
+              </a:schemeClr>
+            </a:lnRef>
+            <a:fillRef idx="1">
+              <a:schemeClr val="accent1"/>
+            </a:fillRef>
+            <a:effectRef idx="0">
+              <a:schemeClr val="accent1"/>
+            </a:effectRef>
+            <a:fontRef idx="minor">
+              <a:schemeClr val="lt1"/>
+            </a:fontRef>
+          </p:style>
+          <p:txBody>
+            <a:bodyPr rtlCol="0" anchor="ctr"/>
+            <a:lstStyle/>
+            <a:p>
+              <a:pPr algn="ctr"/>
+              <a:r>
+                <a:rPr lang="en-US" sz="7200" b="1" dirty="0">
+                  <a:ln>
+                    <a:solidFill>
+                      <a:schemeClr val="tx1"/>
+                    </a:solidFill>
+                  </a:ln>
+                  <a:solidFill>
+                    <a:schemeClr val="bg1"/>
+                  </a:solidFill>
+                  <a:latin typeface="Berlin Sans FB Demi" panose="020E0802020502020306" pitchFamily="34" charset="0"/>
+                </a:rPr>
+                <a:t>RUMMY</a:t>
+              </a:r>
+            </a:p>
+          </p:txBody>
+        </p:sp>
       </p:grpSp>
-      <p:sp>
-        <p:nvSpPr>
-          <p:cNvPr id="13" name="Rectangle: Top Corners Rounded 12"/>
-          <p:cNvSpPr/>
-          <p:nvPr/>
-        </p:nvSpPr>
-        <p:spPr>
-          <a:xfrm>
-            <a:off x="2717442" y="4165470"/>
-            <a:ext cx="4572000" cy="1423960"/>
-          </a:xfrm>
-          <a:prstGeom prst="round2SameRect">
-            <a:avLst>
-              <a:gd name="adj1" fmla="val 0"/>
-              <a:gd name="adj2" fmla="val 50000"/>
-            </a:avLst>
-          </a:prstGeom>
-          <a:solidFill>
-            <a:schemeClr val="accent6">
-              <a:lumMod val="50000"/>
-            </a:schemeClr>
-          </a:solidFill>
-          <a:ln>
-            <a:noFill/>
-          </a:ln>
-        </p:spPr>
-        <p:style>
-          <a:lnRef idx="2">
-            <a:schemeClr val="accent1">
-              <a:shade val="50000"/>
-            </a:schemeClr>
-          </a:lnRef>
-          <a:fillRef idx="1">
-            <a:schemeClr val="accent1"/>
-          </a:fillRef>
-          <a:effectRef idx="0">
-            <a:schemeClr val="accent1"/>
-          </a:effectRef>
-          <a:fontRef idx="minor">
-            <a:schemeClr val="lt1"/>
-          </a:fontRef>
-        </p:style>
-        <p:txBody>
-          <a:bodyPr rtlCol="0" anchor="ctr"/>
-          <a:lstStyle/>
-          <a:p>
-            <a:pPr algn="ctr"/>
-            <a:r>
-              <a:rPr lang="en-US" sz="7200" b="1" dirty="0">
-                <a:ln>
-                  <a:solidFill>
-                    <a:schemeClr val="tx1"/>
-                  </a:solidFill>
-                </a:ln>
-                <a:solidFill>
-                  <a:schemeClr val="bg1"/>
-                </a:solidFill>
-                <a:latin typeface="Berlin Sans FB Demi" panose="020E0802020502020306" pitchFamily="34" charset="0"/>
-              </a:rPr>
-              <a:t>RUMMY</a:t>
-            </a:r>
-          </a:p>
-        </p:txBody>
-      </p:sp>
     </p:spTree>
     <p:extLst>
       <p:ext uri="{BB962C8B-B14F-4D97-AF65-F5344CB8AC3E}">
